--- a/LHC_MKI/figures/mki-out-vac-tank.pptx
+++ b/LHC_MKI/figures/mki-out-vac-tank.pptx
@@ -288,7 +288,7 @@
           <a:p>
             <a:fld id="{FF84AB2D-4E44-4307-A0FE-135C4E0BBF15}" type="datetimeFigureOut">
               <a:rPr lang="en-GB" smtClean="0"/>
-              <a:t>07/12/2012</a:t>
+              <a:t>15/02/2013</a:t>
             </a:fld>
             <a:endParaRPr lang="en-GB"/>
           </a:p>
@@ -458,7 +458,7 @@
           <a:p>
             <a:fld id="{FF84AB2D-4E44-4307-A0FE-135C4E0BBF15}" type="datetimeFigureOut">
               <a:rPr lang="en-GB" smtClean="0"/>
-              <a:t>07/12/2012</a:t>
+              <a:t>15/02/2013</a:t>
             </a:fld>
             <a:endParaRPr lang="en-GB"/>
           </a:p>
@@ -638,7 +638,7 @@
           <a:p>
             <a:fld id="{FF84AB2D-4E44-4307-A0FE-135C4E0BBF15}" type="datetimeFigureOut">
               <a:rPr lang="en-GB" smtClean="0"/>
-              <a:t>07/12/2012</a:t>
+              <a:t>15/02/2013</a:t>
             </a:fld>
             <a:endParaRPr lang="en-GB"/>
           </a:p>
@@ -808,7 +808,7 @@
           <a:p>
             <a:fld id="{FF84AB2D-4E44-4307-A0FE-135C4E0BBF15}" type="datetimeFigureOut">
               <a:rPr lang="en-GB" smtClean="0"/>
-              <a:t>07/12/2012</a:t>
+              <a:t>15/02/2013</a:t>
             </a:fld>
             <a:endParaRPr lang="en-GB"/>
           </a:p>
@@ -1054,7 +1054,7 @@
           <a:p>
             <a:fld id="{FF84AB2D-4E44-4307-A0FE-135C4E0BBF15}" type="datetimeFigureOut">
               <a:rPr lang="en-GB" smtClean="0"/>
-              <a:t>07/12/2012</a:t>
+              <a:t>15/02/2013</a:t>
             </a:fld>
             <a:endParaRPr lang="en-GB"/>
           </a:p>
@@ -1342,7 +1342,7 @@
           <a:p>
             <a:fld id="{FF84AB2D-4E44-4307-A0FE-135C4E0BBF15}" type="datetimeFigureOut">
               <a:rPr lang="en-GB" smtClean="0"/>
-              <a:t>07/12/2012</a:t>
+              <a:t>15/02/2013</a:t>
             </a:fld>
             <a:endParaRPr lang="en-GB"/>
           </a:p>
@@ -1764,7 +1764,7 @@
           <a:p>
             <a:fld id="{FF84AB2D-4E44-4307-A0FE-135C4E0BBF15}" type="datetimeFigureOut">
               <a:rPr lang="en-GB" smtClean="0"/>
-              <a:t>07/12/2012</a:t>
+              <a:t>15/02/2013</a:t>
             </a:fld>
             <a:endParaRPr lang="en-GB"/>
           </a:p>
@@ -1882,7 +1882,7 @@
           <a:p>
             <a:fld id="{FF84AB2D-4E44-4307-A0FE-135C4E0BBF15}" type="datetimeFigureOut">
               <a:rPr lang="en-GB" smtClean="0"/>
-              <a:t>07/12/2012</a:t>
+              <a:t>15/02/2013</a:t>
             </a:fld>
             <a:endParaRPr lang="en-GB"/>
           </a:p>
@@ -1977,7 +1977,7 @@
           <a:p>
             <a:fld id="{FF84AB2D-4E44-4307-A0FE-135C4E0BBF15}" type="datetimeFigureOut">
               <a:rPr lang="en-GB" smtClean="0"/>
-              <a:t>07/12/2012</a:t>
+              <a:t>15/02/2013</a:t>
             </a:fld>
             <a:endParaRPr lang="en-GB"/>
           </a:p>
@@ -2254,7 +2254,7 @@
           <a:p>
             <a:fld id="{FF84AB2D-4E44-4307-A0FE-135C4E0BBF15}" type="datetimeFigureOut">
               <a:rPr lang="en-GB" smtClean="0"/>
-              <a:t>07/12/2012</a:t>
+              <a:t>15/02/2013</a:t>
             </a:fld>
             <a:endParaRPr lang="en-GB"/>
           </a:p>
@@ -2507,7 +2507,7 @@
           <a:p>
             <a:fld id="{FF84AB2D-4E44-4307-A0FE-135C4E0BBF15}" type="datetimeFigureOut">
               <a:rPr lang="en-GB" smtClean="0"/>
-              <a:t>07/12/2012</a:t>
+              <a:t>15/02/2013</a:t>
             </a:fld>
             <a:endParaRPr lang="en-GB"/>
           </a:p>
@@ -2720,7 +2720,7 @@
           <a:p>
             <a:fld id="{FF84AB2D-4E44-4307-A0FE-135C4E0BBF15}" type="datetimeFigureOut">
               <a:rPr lang="en-GB" smtClean="0"/>
-              <a:t>07/12/2012</a:t>
+              <a:t>15/02/2013</a:t>
             </a:fld>
             <a:endParaRPr lang="en-GB"/>
           </a:p>
@@ -3118,7 +3118,7 @@
         </p:blipFill>
         <p:spPr bwMode="auto">
           <a:xfrm>
-            <a:off x="1919288" y="342900"/>
+            <a:off x="1919288" y="345945"/>
             <a:ext cx="5305425" cy="6172200"/>
           </a:xfrm>
           <a:prstGeom prst="rect">
@@ -3269,6 +3269,146 @@
           <a:xfrm flipH="1">
             <a:off x="3995936" y="918012"/>
             <a:ext cx="288032" cy="1142836"/>
+          </a:xfrm>
+          <a:prstGeom prst="straightConnector1">
+            <a:avLst/>
+          </a:prstGeom>
+          <a:ln w="25400">
+            <a:solidFill>
+              <a:schemeClr val="tx1"/>
+            </a:solidFill>
+            <a:tailEnd type="arrow"/>
+          </a:ln>
+        </p:spPr>
+        <p:style>
+          <a:lnRef idx="1">
+            <a:schemeClr val="accent1"/>
+          </a:lnRef>
+          <a:fillRef idx="0">
+            <a:schemeClr val="accent1"/>
+          </a:fillRef>
+          <a:effectRef idx="0">
+            <a:schemeClr val="accent1"/>
+          </a:effectRef>
+          <a:fontRef idx="minor">
+            <a:schemeClr val="tx1"/>
+          </a:fontRef>
+        </p:style>
+      </p:cxnSp>
+      <p:cxnSp>
+        <p:nvCxnSpPr>
+          <p:cNvPr id="3" name="Straight Arrow Connector 2"/>
+          <p:cNvCxnSpPr/>
+          <p:nvPr/>
+        </p:nvCxnSpPr>
+        <p:spPr>
+          <a:xfrm flipH="1" flipV="1">
+            <a:off x="2627784" y="1412776"/>
+            <a:ext cx="3870430" cy="4608512"/>
+          </a:xfrm>
+          <a:prstGeom prst="straightConnector1">
+            <a:avLst/>
+          </a:prstGeom>
+          <a:ln w="19050">
+            <a:solidFill>
+              <a:schemeClr val="tx1"/>
+            </a:solidFill>
+            <a:tailEnd type="arrow"/>
+          </a:ln>
+        </p:spPr>
+        <p:style>
+          <a:lnRef idx="1">
+            <a:schemeClr val="accent1"/>
+          </a:lnRef>
+          <a:fillRef idx="0">
+            <a:schemeClr val="accent1"/>
+          </a:fillRef>
+          <a:effectRef idx="0">
+            <a:schemeClr val="accent1"/>
+          </a:effectRef>
+          <a:fontRef idx="minor">
+            <a:schemeClr val="tx1"/>
+          </a:fontRef>
+        </p:style>
+      </p:cxnSp>
+      <p:sp>
+        <p:nvSpPr>
+          <p:cNvPr id="12" name="TextBox 11"/>
+          <p:cNvSpPr txBox="1"/>
+          <p:nvPr/>
+        </p:nvSpPr>
+        <p:spPr>
+          <a:xfrm>
+            <a:off x="6012160" y="5651956"/>
+            <a:ext cx="756084" cy="369332"/>
+          </a:xfrm>
+          <a:prstGeom prst="rect">
+            <a:avLst/>
+          </a:prstGeom>
+          <a:solidFill>
+            <a:schemeClr val="bg1"/>
+          </a:solidFill>
+        </p:spPr>
+        <p:txBody>
+          <a:bodyPr wrap="square" rtlCol="0">
+            <a:spAutoFit/>
+          </a:bodyPr>
+          <a:lstStyle/>
+          <a:p>
+            <a:r>
+              <a:rPr lang="en-GB" dirty="0" smtClean="0"/>
+              <a:t>Beam</a:t>
+            </a:r>
+            <a:endParaRPr lang="en-GB" dirty="0"/>
+          </a:p>
+        </p:txBody>
+      </p:sp>
+      <p:sp>
+        <p:nvSpPr>
+          <p:cNvPr id="13" name="TextBox 12"/>
+          <p:cNvSpPr txBox="1"/>
+          <p:nvPr/>
+        </p:nvSpPr>
+        <p:spPr>
+          <a:xfrm>
+            <a:off x="6377949" y="4401978"/>
+            <a:ext cx="1589257" cy="646331"/>
+          </a:xfrm>
+          <a:prstGeom prst="rect">
+            <a:avLst/>
+          </a:prstGeom>
+          <a:solidFill>
+            <a:schemeClr val="bg1"/>
+          </a:solidFill>
+        </p:spPr>
+        <p:txBody>
+          <a:bodyPr wrap="square" rtlCol="0">
+            <a:spAutoFit/>
+          </a:bodyPr>
+          <a:lstStyle/>
+          <a:p>
+            <a:r>
+              <a:rPr lang="en-GB" dirty="0" smtClean="0"/>
+              <a:t>Ground/return </a:t>
+            </a:r>
+            <a:r>
+              <a:rPr lang="en-GB" dirty="0" err="1" smtClean="0"/>
+              <a:t>busbar</a:t>
+            </a:r>
+            <a:endParaRPr lang="en-GB" dirty="0"/>
+          </a:p>
+        </p:txBody>
+      </p:sp>
+      <p:cxnSp>
+        <p:nvCxnSpPr>
+          <p:cNvPr id="14" name="Straight Arrow Connector 13"/>
+          <p:cNvCxnSpPr/>
+          <p:nvPr/>
+        </p:nvCxnSpPr>
+        <p:spPr>
+          <a:xfrm flipH="1">
+            <a:off x="6156176" y="5048309"/>
+            <a:ext cx="234026" cy="217765"/>
           </a:xfrm>
           <a:prstGeom prst="straightConnector1">
             <a:avLst/>
